--- a/DOCUMENTACION/Documentación_entrega_final/Arquitectura del Software.pptx
+++ b/DOCUMENTACION/Documentación_entrega_final/Arquitectura del Software.pptx
@@ -5,17 +5,18 @@
     <p:sldMasterId id="2147483767" r:id="rId1"/>
   </p:sldMasterIdLst>
   <p:notesMasterIdLst>
-    <p:notesMasterId r:id="rId10"/>
+    <p:notesMasterId r:id="rId11"/>
   </p:notesMasterIdLst>
   <p:sldIdLst>
     <p:sldId id="256" r:id="rId2"/>
-    <p:sldId id="257" r:id="rId3"/>
-    <p:sldId id="259" r:id="rId4"/>
-    <p:sldId id="262" r:id="rId5"/>
-    <p:sldId id="263" r:id="rId6"/>
-    <p:sldId id="260" r:id="rId7"/>
-    <p:sldId id="261" r:id="rId8"/>
-    <p:sldId id="264" r:id="rId9"/>
+    <p:sldId id="265" r:id="rId3"/>
+    <p:sldId id="257" r:id="rId4"/>
+    <p:sldId id="259" r:id="rId5"/>
+    <p:sldId id="262" r:id="rId6"/>
+    <p:sldId id="263" r:id="rId7"/>
+    <p:sldId id="260" r:id="rId8"/>
+    <p:sldId id="261" r:id="rId9"/>
+    <p:sldId id="264" r:id="rId10"/>
   </p:sldIdLst>
   <p:sldSz cx="9144000" cy="6858000" type="screen4x3"/>
   <p:notesSz cx="6858000" cy="9144000"/>
@@ -114,6 +115,11 @@
       </a:defRPr>
     </a:lvl9pPr>
   </p:defaultTextStyle>
+  <p:extLst>
+    <p:ext uri="{EFAFB233-063F-42B5-8137-9DF3F51BA10A}">
+      <p15:sldGuideLst xmlns:p15="http://schemas.microsoft.com/office/powerpoint/2012/main"/>
+    </p:ext>
+  </p:extLst>
 </p:presentation>
 </file>
 
@@ -494,12 +500,7 @@
             <p:ph type="sldImg"/>
           </p:nvPr>
         </p:nvSpPr>
-        <p:spPr>
-          <a:xfrm>
-            <a:off x="1371600" y="1143000"/>
-            <a:ext cx="4114800" cy="3086100"/>
-          </a:xfrm>
-        </p:spPr>
+        <p:spPr/>
       </p:sp>
       <p:sp>
         <p:nvSpPr>
@@ -516,31 +517,34 @@
           <a:bodyPr/>
           <a:lstStyle/>
           <a:p>
+            <a:pPr marL="0" marR="0" indent="0" algn="l" defTabSz="914400" rtl="0" eaLnBrk="1" fontAlgn="auto" latinLnBrk="0" hangingPunct="1">
+              <a:lnSpc>
+                <a:spcPct val="100000"/>
+              </a:lnSpc>
+              <a:spcBef>
+                <a:spcPts val="0"/>
+              </a:spcBef>
+              <a:spcAft>
+                <a:spcPts val="0"/>
+              </a:spcAft>
+              <a:buClrTx/>
+              <a:buSzTx/>
+              <a:buFontTx/>
+              <a:buNone/>
+              <a:tabLst/>
+              <a:defRPr/>
+            </a:pPr>
             <a:r>
               <a:rPr lang="es-ES" dirty="0" smtClean="0"/>
-              <a:t>Módulos: Venia así en las entregas. (Razón mas lógica: separación de responsabilidades).</a:t>
-            </a:r>
-          </a:p>
-          <a:p>
-            <a:endParaRPr lang="es-ES" dirty="0" smtClean="0"/>
-          </a:p>
-          <a:p>
-            <a:r>
-              <a:rPr lang="es-ES" dirty="0" smtClean="0"/>
-              <a:t>Explicar qué es </a:t>
-            </a:r>
-            <a:r>
-              <a:rPr lang="es-ES" i="1" dirty="0" smtClean="0"/>
-              <a:t>Incremental </a:t>
-            </a:r>
-            <a:r>
-              <a:rPr lang="es-ES" i="1" dirty="0" err="1" smtClean="0"/>
-              <a:t>piecemeal</a:t>
-            </a:r>
-            <a:r>
-              <a:rPr lang="es-ES" i="0" baseline="0" dirty="0" smtClean="0"/>
-              <a:t> (se desarrolla la arquitectura a la vez que se implementa).</a:t>
-            </a:r>
+              <a:t>Hemos desarrollado el juego del trivial y para ello hemos tenido</a:t>
+            </a:r>
+            <a:r>
+              <a:rPr lang="es-ES" baseline="0" dirty="0" smtClean="0"/>
+              <a:t> que saber organizarnos y diseñar una arquitecta para el juego</a:t>
+            </a:r>
+          </a:p>
+          <a:p>
+            <a:endParaRPr lang="es-ES" dirty="0"/>
           </a:p>
         </p:txBody>
       </p:sp>
@@ -561,7 +565,7 @@
           <a:p>
             <a:fld id="{FDD11C67-3A24-4233-8898-815A60F45D03}" type="slidenum">
               <a:rPr lang="es-ES" smtClean="0"/>
-              <a:t>2</a:t>
+              <a:t>1</a:t>
             </a:fld>
             <a:endParaRPr lang="es-ES"/>
           </a:p>
@@ -570,7 +574,7 @@
     </p:spTree>
     <p:extLst>
       <p:ext uri="{BB962C8B-B14F-4D97-AF65-F5344CB8AC3E}">
-        <p14:creationId xmlns:p14="http://schemas.microsoft.com/office/powerpoint/2010/main" val="2062788797"/>
+        <p14:creationId xmlns:p14="http://schemas.microsoft.com/office/powerpoint/2010/main" val="2466273285"/>
       </p:ext>
     </p:extLst>
   </p:cSld>
@@ -607,12 +611,7 @@
             <p:ph type="sldImg"/>
           </p:nvPr>
         </p:nvSpPr>
-        <p:spPr>
-          <a:xfrm>
-            <a:off x="1371600" y="1143000"/>
-            <a:ext cx="4114800" cy="3086100"/>
-          </a:xfrm>
-        </p:spPr>
+        <p:spPr/>
       </p:sp>
       <p:sp>
         <p:nvSpPr>
@@ -629,84 +628,6 @@
           <a:bodyPr/>
           <a:lstStyle/>
           <a:p>
-            <a:r>
-              <a:rPr lang="es-ES" dirty="0" smtClean="0"/>
-              <a:t>Débil acoplamiento</a:t>
-            </a:r>
-            <a:r>
-              <a:rPr lang="es-ES" baseline="0" dirty="0" smtClean="0"/>
-              <a:t> entre componentes</a:t>
-            </a:r>
-          </a:p>
-          <a:p>
-            <a:r>
-              <a:rPr lang="es-ES" baseline="0" dirty="0" smtClean="0"/>
-              <a:t>	Mejora del código, encapsulación de errores</a:t>
-            </a:r>
-          </a:p>
-          <a:p>
-            <a:endParaRPr lang="es-ES" baseline="0" dirty="0" smtClean="0"/>
-          </a:p>
-          <a:p>
-            <a:r>
-              <a:rPr lang="es-ES" sz="1200" i="0" kern="1200" dirty="0" err="1" smtClean="0">
-                <a:solidFill>
-                  <a:schemeClr val="tx1"/>
-                </a:solidFill>
-                <a:effectLst/>
-                <a:latin typeface="+mn-lt"/>
-                <a:ea typeface="+mn-ea"/>
-                <a:cs typeface="+mn-cs"/>
-              </a:rPr>
-              <a:t>Reconfigurabilidad</a:t>
-            </a:r>
-            <a:r>
-              <a:rPr lang="es-ES" sz="1200" i="0" kern="1200" dirty="0" smtClean="0">
-                <a:solidFill>
-                  <a:schemeClr val="tx1"/>
-                </a:solidFill>
-                <a:effectLst/>
-                <a:latin typeface="+mn-lt"/>
-                <a:ea typeface="+mn-ea"/>
-                <a:cs typeface="+mn-cs"/>
-              </a:rPr>
-              <a:t/>
-            </a:r>
-            <a:br>
-              <a:rPr lang="es-ES" sz="1200" i="0" kern="1200" dirty="0" smtClean="0">
-                <a:solidFill>
-                  <a:schemeClr val="tx1"/>
-                </a:solidFill>
-                <a:effectLst/>
-                <a:latin typeface="+mn-lt"/>
-                <a:ea typeface="+mn-ea"/>
-                <a:cs typeface="+mn-cs"/>
-              </a:rPr>
-            </a:br>
-            <a:r>
-              <a:rPr lang="es-ES" baseline="0" dirty="0" smtClean="0"/>
-              <a:t>	</a:t>
-            </a:r>
-            <a:r>
-              <a:rPr lang="es-ES" baseline="0" dirty="0" smtClean="0"/>
-              <a:t>Cada fragmento es independiente del resto, se pueden cambiar fácilmente</a:t>
-            </a:r>
-            <a:endParaRPr lang="es-ES" baseline="0" dirty="0" smtClean="0"/>
-          </a:p>
-          <a:p>
-            <a:endParaRPr lang="es-ES" baseline="0" dirty="0" smtClean="0"/>
-          </a:p>
-          <a:p>
-            <a:r>
-              <a:rPr lang="es-ES" baseline="0" dirty="0" smtClean="0"/>
-              <a:t>Fácil depuración</a:t>
-            </a:r>
-          </a:p>
-          <a:p>
-            <a:r>
-              <a:rPr lang="es-ES" baseline="0" dirty="0" smtClean="0"/>
-              <a:t>	Responsabilidad única, fuente de errores única</a:t>
-            </a:r>
             <a:endParaRPr lang="es-ES" dirty="0"/>
           </a:p>
         </p:txBody>
@@ -728,7 +649,7 @@
           <a:p>
             <a:fld id="{FDD11C67-3A24-4233-8898-815A60F45D03}" type="slidenum">
               <a:rPr lang="es-ES" smtClean="0"/>
-              <a:t>3</a:t>
+              <a:t>2</a:t>
             </a:fld>
             <a:endParaRPr lang="es-ES"/>
           </a:p>
@@ -737,7 +658,7 @@
     </p:spTree>
     <p:extLst>
       <p:ext uri="{BB962C8B-B14F-4D97-AF65-F5344CB8AC3E}">
-        <p14:creationId xmlns:p14="http://schemas.microsoft.com/office/powerpoint/2010/main" val="18602518"/>
+        <p14:creationId xmlns:p14="http://schemas.microsoft.com/office/powerpoint/2010/main" val="1608235232"/>
       </p:ext>
     </p:extLst>
   </p:cSld>
@@ -798,147 +719,29 @@
           <a:p>
             <a:r>
               <a:rPr lang="es-ES" dirty="0" smtClean="0"/>
-              <a:t>Múltiples</a:t>
-            </a:r>
-            <a:r>
-              <a:rPr lang="es-ES" baseline="0" dirty="0" smtClean="0"/>
-              <a:t> vistas</a:t>
-            </a:r>
-          </a:p>
-          <a:p>
-            <a:r>
-              <a:rPr lang="es-ES" baseline="0" dirty="0" smtClean="0"/>
-              <a:t>	posibilidad de tener más vistas del tablero</a:t>
-            </a:r>
-          </a:p>
-          <a:p>
-            <a:endParaRPr lang="es-ES" baseline="0" dirty="0" smtClean="0"/>
-          </a:p>
-          <a:p>
-            <a:r>
-              <a:rPr lang="es-ES" sz="1200" i="0" kern="1200" dirty="0" smtClean="0">
-                <a:solidFill>
-                  <a:schemeClr val="tx1"/>
-                </a:solidFill>
-                <a:effectLst/>
-                <a:latin typeface="+mn-lt"/>
-                <a:ea typeface="+mn-ea"/>
-                <a:cs typeface="+mn-cs"/>
-              </a:rPr>
-              <a:t>Separación de responsabilidades</a:t>
-            </a:r>
-          </a:p>
-          <a:p>
-            <a:r>
-              <a:rPr lang="es-ES" sz="1200" i="0" kern="1200" dirty="0" smtClean="0">
-                <a:solidFill>
-                  <a:schemeClr val="tx1"/>
-                </a:solidFill>
-                <a:effectLst/>
-                <a:latin typeface="+mn-lt"/>
-                <a:ea typeface="+mn-ea"/>
-                <a:cs typeface="+mn-cs"/>
-              </a:rPr>
-              <a:t>	</a:t>
-            </a:r>
-          </a:p>
-          <a:p>
-            <a:endParaRPr lang="es-ES" sz="1200" i="0" kern="1200" dirty="0" smtClean="0">
-              <a:solidFill>
-                <a:schemeClr val="tx1"/>
-              </a:solidFill>
-              <a:effectLst/>
-              <a:latin typeface="+mn-lt"/>
-              <a:ea typeface="+mn-ea"/>
-              <a:cs typeface="+mn-cs"/>
-            </a:endParaRPr>
-          </a:p>
-          <a:p>
-            <a:r>
-              <a:rPr lang="es-ES" sz="1200" i="0" kern="1200" dirty="0" smtClean="0">
-                <a:solidFill>
-                  <a:schemeClr val="tx1"/>
-                </a:solidFill>
-                <a:effectLst/>
-                <a:latin typeface="+mn-lt"/>
-                <a:ea typeface="+mn-ea"/>
-                <a:cs typeface="+mn-cs"/>
-              </a:rPr>
-              <a:t>Posible acoplamiento</a:t>
-            </a:r>
-            <a:r>
-              <a:rPr lang="es-ES" sz="1200" i="0" kern="1200" baseline="0" dirty="0" smtClean="0">
-                <a:solidFill>
-                  <a:schemeClr val="tx1"/>
-                </a:solidFill>
-                <a:effectLst/>
-                <a:latin typeface="+mn-lt"/>
-                <a:ea typeface="+mn-ea"/>
-                <a:cs typeface="+mn-cs"/>
-              </a:rPr>
-              <a:t> </a:t>
-            </a:r>
-            <a:r>
-              <a:rPr lang="es-ES" sz="1200" i="0" kern="1200" dirty="0" smtClean="0">
-                <a:solidFill>
-                  <a:schemeClr val="tx1"/>
-                </a:solidFill>
-                <a:effectLst/>
-                <a:latin typeface="+mn-lt"/>
-                <a:ea typeface="+mn-ea"/>
-                <a:cs typeface="+mn-cs"/>
-              </a:rPr>
-              <a:t>entre controladores y vista</a:t>
-            </a:r>
-          </a:p>
-          <a:p>
-            <a:r>
-              <a:rPr lang="es-ES" sz="1200" i="0" kern="1200" dirty="0" smtClean="0">
-                <a:solidFill>
-                  <a:schemeClr val="tx1"/>
-                </a:solidFill>
-                <a:effectLst/>
-                <a:latin typeface="+mn-lt"/>
-                <a:ea typeface="+mn-ea"/>
-                <a:cs typeface="+mn-cs"/>
-              </a:rPr>
-              <a:t>	Y ha pasado</a:t>
-            </a:r>
-            <a:br>
-              <a:rPr lang="es-ES" sz="1200" i="0" kern="1200" dirty="0" smtClean="0">
-                <a:solidFill>
-                  <a:schemeClr val="tx1"/>
-                </a:solidFill>
-                <a:effectLst/>
-                <a:latin typeface="+mn-lt"/>
-                <a:ea typeface="+mn-ea"/>
-                <a:cs typeface="+mn-cs"/>
-              </a:rPr>
-            </a:br>
-            <a:r>
-              <a:rPr lang="es-ES" sz="1200" i="0" kern="1200" dirty="0" smtClean="0">
-                <a:solidFill>
-                  <a:schemeClr val="tx1"/>
-                </a:solidFill>
-                <a:effectLst/>
-                <a:latin typeface="+mn-lt"/>
-                <a:ea typeface="+mn-ea"/>
-                <a:cs typeface="+mn-cs"/>
-              </a:rPr>
-              <a:t/>
-            </a:r>
-            <a:br>
-              <a:rPr lang="es-ES" sz="1200" i="0" kern="1200" dirty="0" smtClean="0">
-                <a:solidFill>
-                  <a:schemeClr val="tx1"/>
-                </a:solidFill>
-                <a:effectLst/>
-                <a:latin typeface="+mn-lt"/>
-                <a:ea typeface="+mn-ea"/>
-                <a:cs typeface="+mn-cs"/>
-              </a:rPr>
-            </a:br>
-            <a:endParaRPr lang="es-ES" dirty="0"/>
+              <a:t>Módulos: Venia así en las entregas. (Razón mas lógica: separación de responsabilidades).</a:t>
+            </a:r>
+          </a:p>
+          <a:p>
+            <a:endParaRPr lang="es-ES" dirty="0" smtClean="0"/>
+          </a:p>
+          <a:p>
+            <a:r>
+              <a:rPr lang="es-ES" dirty="0" smtClean="0"/>
+              <a:t>Explicar qué es </a:t>
+            </a:r>
+            <a:r>
+              <a:rPr lang="es-ES" i="1" dirty="0" smtClean="0"/>
+              <a:t>Incremental </a:t>
+            </a:r>
+            <a:r>
+              <a:rPr lang="es-ES" i="1" dirty="0" err="1" smtClean="0"/>
+              <a:t>piecemeal</a:t>
+            </a:r>
+            <a:r>
+              <a:rPr lang="es-ES" i="0" baseline="0" dirty="0" smtClean="0"/>
+              <a:t> (se desarrolla la arquitectura a la vez que se implementa).</a:t>
+            </a:r>
           </a:p>
         </p:txBody>
       </p:sp>
@@ -959,7 +762,7 @@
           <a:p>
             <a:fld id="{FDD11C67-3A24-4233-8898-815A60F45D03}" type="slidenum">
               <a:rPr lang="es-ES" smtClean="0"/>
-              <a:t>4</a:t>
+              <a:t>3</a:t>
             </a:fld>
             <a:endParaRPr lang="es-ES"/>
           </a:p>
@@ -968,7 +771,7 @@
     </p:spTree>
     <p:extLst>
       <p:ext uri="{BB962C8B-B14F-4D97-AF65-F5344CB8AC3E}">
-        <p14:creationId xmlns:p14="http://schemas.microsoft.com/office/powerpoint/2010/main" val="3873168016"/>
+        <p14:creationId xmlns:p14="http://schemas.microsoft.com/office/powerpoint/2010/main" val="2062788797"/>
       </p:ext>
     </p:extLst>
   </p:cSld>
@@ -1028,6 +831,37 @@
           <a:lstStyle/>
           <a:p>
             <a:r>
+              <a:rPr lang="es-ES" dirty="0" smtClean="0"/>
+              <a:t>Débil acoplamiento</a:t>
+            </a:r>
+            <a:r>
+              <a:rPr lang="es-ES" baseline="0" dirty="0" smtClean="0"/>
+              <a:t> entre componentes</a:t>
+            </a:r>
+          </a:p>
+          <a:p>
+            <a:r>
+              <a:rPr lang="es-ES" baseline="0" dirty="0" smtClean="0"/>
+              <a:t>	Mejora del código, encapsulación de errores</a:t>
+            </a:r>
+          </a:p>
+          <a:p>
+            <a:endParaRPr lang="es-ES" baseline="0" dirty="0" smtClean="0"/>
+          </a:p>
+          <a:p>
+            <a:r>
+              <a:rPr lang="es-ES" sz="1200" i="0" kern="1200" dirty="0" err="1" smtClean="0">
+                <a:solidFill>
+                  <a:schemeClr val="tx1"/>
+                </a:solidFill>
+                <a:effectLst/>
+                <a:latin typeface="+mn-lt"/>
+                <a:ea typeface="+mn-ea"/>
+                <a:cs typeface="+mn-cs"/>
+              </a:rPr>
+              <a:t>Reconfigurabilidad</a:t>
+            </a:r>
+            <a:r>
               <a:rPr lang="es-ES" sz="1200" i="0" kern="1200" dirty="0" smtClean="0">
                 <a:solidFill>
                   <a:schemeClr val="tx1"/>
@@ -1037,32 +871,7 @@
                 <a:ea typeface="+mn-ea"/>
                 <a:cs typeface="+mn-cs"/>
               </a:rPr>
-              <a:t>Servidores pueden estar distribuidos en diferentes máquinas</a:t>
-            </a:r>
-          </a:p>
-          <a:p>
-            <a:endParaRPr lang="es-ES" sz="1200" i="0" kern="1200" dirty="0" smtClean="0">
-              <a:solidFill>
-                <a:schemeClr val="tx1"/>
-              </a:solidFill>
-              <a:effectLst/>
-              <a:latin typeface="+mn-lt"/>
-              <a:ea typeface="+mn-ea"/>
-              <a:cs typeface="+mn-cs"/>
-            </a:endParaRPr>
-          </a:p>
-          <a:p>
-            <a:r>
-              <a:rPr lang="es-ES" sz="1200" i="0" kern="1200" dirty="0" smtClean="0">
-                <a:solidFill>
-                  <a:schemeClr val="tx1"/>
-                </a:solidFill>
-                <a:effectLst/>
-                <a:latin typeface="+mn-lt"/>
-                <a:ea typeface="+mn-ea"/>
-                <a:cs typeface="+mn-cs"/>
-              </a:rPr>
-              <a:t>Separación de funcionalidad cliente/servidor</a:t>
+              <a:t/>
             </a:r>
             <a:br>
               <a:rPr lang="es-ES" sz="1200" i="0" kern="1200" dirty="0" smtClean="0">
@@ -1076,128 +885,24 @@
               </a:rPr>
             </a:br>
             <a:r>
-              <a:rPr lang="es-ES" sz="1200" i="0" kern="1200" dirty="0" smtClean="0">
-                <a:solidFill>
-                  <a:schemeClr val="tx1"/>
-                </a:solidFill>
-                <a:effectLst/>
-                <a:latin typeface="+mn-lt"/>
-                <a:ea typeface="+mn-ea"/>
-                <a:cs typeface="+mn-cs"/>
-              </a:rPr>
-              <a:t>	* Escalabilidad</a:t>
-            </a:r>
-          </a:p>
-          <a:p>
-            <a:r>
-              <a:rPr lang="es-ES" sz="1200" i="0" kern="1200" dirty="0" smtClean="0">
-                <a:solidFill>
-                  <a:schemeClr val="tx1"/>
-                </a:solidFill>
-                <a:effectLst/>
-                <a:latin typeface="+mn-lt"/>
-                <a:ea typeface="+mn-ea"/>
-                <a:cs typeface="+mn-cs"/>
-              </a:rPr>
-              <a:t>		Nos</a:t>
-            </a:r>
-            <a:r>
-              <a:rPr lang="es-ES" sz="1200" i="0" kern="1200" baseline="0" dirty="0" smtClean="0">
-                <a:solidFill>
-                  <a:schemeClr val="tx1"/>
-                </a:solidFill>
-                <a:effectLst/>
-                <a:latin typeface="+mn-lt"/>
-                <a:ea typeface="+mn-ea"/>
-                <a:cs typeface="+mn-cs"/>
-              </a:rPr>
-              <a:t> permite tener tantos usuarios como sea capaz de aguantar el hardware sin modificar el software</a:t>
-            </a:r>
-          </a:p>
-          <a:p>
-            <a:endParaRPr lang="es-ES" sz="1200" i="0" kern="1200" baseline="0" dirty="0" smtClean="0">
-              <a:solidFill>
-                <a:schemeClr val="tx1"/>
-              </a:solidFill>
-              <a:effectLst/>
-              <a:latin typeface="+mn-lt"/>
-              <a:ea typeface="+mn-ea"/>
-              <a:cs typeface="+mn-cs"/>
-            </a:endParaRPr>
-          </a:p>
-          <a:p>
-            <a:r>
-              <a:rPr lang="es-ES" sz="1200" i="0" kern="1200" baseline="0" dirty="0" smtClean="0">
-                <a:solidFill>
-                  <a:schemeClr val="tx1"/>
-                </a:solidFill>
-                <a:effectLst/>
-                <a:latin typeface="+mn-lt"/>
-                <a:ea typeface="+mn-ea"/>
-                <a:cs typeface="+mn-cs"/>
-              </a:rPr>
-              <a:t>* El hardware puede fallar</a:t>
-            </a:r>
-          </a:p>
-          <a:p>
-            <a:r>
-              <a:rPr lang="es-ES" sz="1200" i="0" kern="1200" baseline="0" dirty="0" smtClean="0">
-                <a:solidFill>
-                  <a:schemeClr val="tx1"/>
-                </a:solidFill>
-                <a:effectLst/>
-                <a:latin typeface="+mn-lt"/>
-                <a:ea typeface="+mn-ea"/>
-                <a:cs typeface="+mn-cs"/>
-              </a:rPr>
-              <a:t>* no sabemos su rendimiento </a:t>
-            </a:r>
-            <a:r>
-              <a:rPr lang="es-ES" sz="1200" i="0" kern="1200" dirty="0" smtClean="0">
-                <a:solidFill>
-                  <a:schemeClr val="tx1"/>
-                </a:solidFill>
-                <a:effectLst/>
-                <a:latin typeface="+mn-lt"/>
-                <a:ea typeface="+mn-ea"/>
-                <a:cs typeface="+mn-cs"/>
-              </a:rPr>
-              <a:t/>
-            </a:r>
-            <a:br>
-              <a:rPr lang="es-ES" sz="1200" i="0" kern="1200" dirty="0" smtClean="0">
-                <a:solidFill>
-                  <a:schemeClr val="tx1"/>
-                </a:solidFill>
-                <a:effectLst/>
-                <a:latin typeface="+mn-lt"/>
-                <a:ea typeface="+mn-ea"/>
-                <a:cs typeface="+mn-cs"/>
-              </a:rPr>
-            </a:br>
-            <a:r>
-              <a:rPr lang="es-ES" sz="1200" i="0" kern="1200" dirty="0" smtClean="0">
-                <a:solidFill>
-                  <a:schemeClr val="tx1"/>
-                </a:solidFill>
-                <a:effectLst/>
-                <a:latin typeface="+mn-lt"/>
-                <a:ea typeface="+mn-ea"/>
-                <a:cs typeface="+mn-cs"/>
-              </a:rPr>
-              <a:t/>
-            </a:r>
-            <a:br>
-              <a:rPr lang="es-ES" sz="1200" i="0" kern="1200" dirty="0" smtClean="0">
-                <a:solidFill>
-                  <a:schemeClr val="tx1"/>
-                </a:solidFill>
-                <a:effectLst/>
-                <a:latin typeface="+mn-lt"/>
-                <a:ea typeface="+mn-ea"/>
-                <a:cs typeface="+mn-cs"/>
-              </a:rPr>
-            </a:br>
+              <a:rPr lang="es-ES" baseline="0" dirty="0" smtClean="0"/>
+              <a:t>	Cada fragmento es independiente del resto, se pueden cambiar fácilmente</a:t>
+            </a:r>
+          </a:p>
+          <a:p>
+            <a:endParaRPr lang="es-ES" baseline="0" dirty="0" smtClean="0"/>
+          </a:p>
+          <a:p>
+            <a:r>
+              <a:rPr lang="es-ES" baseline="0" dirty="0" smtClean="0"/>
+              <a:t>Fácil depuración</a:t>
+            </a:r>
+          </a:p>
+          <a:p>
+            <a:r>
+              <a:rPr lang="es-ES" baseline="0" dirty="0" smtClean="0"/>
+              <a:t>	Responsabilidad única, fuente de errores única</a:t>
+            </a:r>
             <a:endParaRPr lang="es-ES" dirty="0"/>
           </a:p>
         </p:txBody>
@@ -1219,7 +924,7 @@
           <a:p>
             <a:fld id="{FDD11C67-3A24-4233-8898-815A60F45D03}" type="slidenum">
               <a:rPr lang="es-ES" smtClean="0"/>
-              <a:t>5</a:t>
+              <a:t>4</a:t>
             </a:fld>
             <a:endParaRPr lang="es-ES"/>
           </a:p>
@@ -1228,7 +933,7 @@
     </p:spTree>
     <p:extLst>
       <p:ext uri="{BB962C8B-B14F-4D97-AF65-F5344CB8AC3E}">
-        <p14:creationId xmlns:p14="http://schemas.microsoft.com/office/powerpoint/2010/main" val="60742303"/>
+        <p14:creationId xmlns:p14="http://schemas.microsoft.com/office/powerpoint/2010/main" val="18602518"/>
       </p:ext>
     </p:extLst>
   </p:cSld>
@@ -1287,6 +992,148 @@
           <a:bodyPr/>
           <a:lstStyle/>
           <a:p>
+            <a:r>
+              <a:rPr lang="es-ES" dirty="0" smtClean="0"/>
+              <a:t>Múltiples</a:t>
+            </a:r>
+            <a:r>
+              <a:rPr lang="es-ES" baseline="0" dirty="0" smtClean="0"/>
+              <a:t> vistas</a:t>
+            </a:r>
+          </a:p>
+          <a:p>
+            <a:r>
+              <a:rPr lang="es-ES" baseline="0" dirty="0" smtClean="0"/>
+              <a:t>	posibilidad de tener más vistas del tablero</a:t>
+            </a:r>
+          </a:p>
+          <a:p>
+            <a:endParaRPr lang="es-ES" baseline="0" dirty="0" smtClean="0"/>
+          </a:p>
+          <a:p>
+            <a:r>
+              <a:rPr lang="es-ES" sz="1200" i="0" kern="1200" dirty="0" smtClean="0">
+                <a:solidFill>
+                  <a:schemeClr val="tx1"/>
+                </a:solidFill>
+                <a:effectLst/>
+                <a:latin typeface="+mn-lt"/>
+                <a:ea typeface="+mn-ea"/>
+                <a:cs typeface="+mn-cs"/>
+              </a:rPr>
+              <a:t>Separación de responsabilidades</a:t>
+            </a:r>
+          </a:p>
+          <a:p>
+            <a:r>
+              <a:rPr lang="es-ES" sz="1200" i="0" kern="1200" dirty="0" smtClean="0">
+                <a:solidFill>
+                  <a:schemeClr val="tx1"/>
+                </a:solidFill>
+                <a:effectLst/>
+                <a:latin typeface="+mn-lt"/>
+                <a:ea typeface="+mn-ea"/>
+                <a:cs typeface="+mn-cs"/>
+              </a:rPr>
+              <a:t>	</a:t>
+            </a:r>
+          </a:p>
+          <a:p>
+            <a:endParaRPr lang="es-ES" sz="1200" i="0" kern="1200" dirty="0" smtClean="0">
+              <a:solidFill>
+                <a:schemeClr val="tx1"/>
+              </a:solidFill>
+              <a:effectLst/>
+              <a:latin typeface="+mn-lt"/>
+              <a:ea typeface="+mn-ea"/>
+              <a:cs typeface="+mn-cs"/>
+            </a:endParaRPr>
+          </a:p>
+          <a:p>
+            <a:r>
+              <a:rPr lang="es-ES" sz="1200" i="0" kern="1200" dirty="0" smtClean="0">
+                <a:solidFill>
+                  <a:schemeClr val="tx1"/>
+                </a:solidFill>
+                <a:effectLst/>
+                <a:latin typeface="+mn-lt"/>
+                <a:ea typeface="+mn-ea"/>
+                <a:cs typeface="+mn-cs"/>
+              </a:rPr>
+              <a:t>Posible acoplamiento</a:t>
+            </a:r>
+            <a:r>
+              <a:rPr lang="es-ES" sz="1200" i="0" kern="1200" baseline="0" dirty="0" smtClean="0">
+                <a:solidFill>
+                  <a:schemeClr val="tx1"/>
+                </a:solidFill>
+                <a:effectLst/>
+                <a:latin typeface="+mn-lt"/>
+                <a:ea typeface="+mn-ea"/>
+                <a:cs typeface="+mn-cs"/>
+              </a:rPr>
+              <a:t> </a:t>
+            </a:r>
+            <a:r>
+              <a:rPr lang="es-ES" sz="1200" i="0" kern="1200" dirty="0" smtClean="0">
+                <a:solidFill>
+                  <a:schemeClr val="tx1"/>
+                </a:solidFill>
+                <a:effectLst/>
+                <a:latin typeface="+mn-lt"/>
+                <a:ea typeface="+mn-ea"/>
+                <a:cs typeface="+mn-cs"/>
+              </a:rPr>
+              <a:t>entre controladores y vista</a:t>
+            </a:r>
+          </a:p>
+          <a:p>
+            <a:r>
+              <a:rPr lang="es-ES" sz="1200" i="0" kern="1200" dirty="0" smtClean="0">
+                <a:solidFill>
+                  <a:schemeClr val="tx1"/>
+                </a:solidFill>
+                <a:effectLst/>
+                <a:latin typeface="+mn-lt"/>
+                <a:ea typeface="+mn-ea"/>
+                <a:cs typeface="+mn-cs"/>
+              </a:rPr>
+              <a:t>	Y ha pasado</a:t>
+            </a:r>
+            <a:br>
+              <a:rPr lang="es-ES" sz="1200" i="0" kern="1200" dirty="0" smtClean="0">
+                <a:solidFill>
+                  <a:schemeClr val="tx1"/>
+                </a:solidFill>
+                <a:effectLst/>
+                <a:latin typeface="+mn-lt"/>
+                <a:ea typeface="+mn-ea"/>
+                <a:cs typeface="+mn-cs"/>
+              </a:rPr>
+            </a:br>
+            <a:r>
+              <a:rPr lang="es-ES" sz="1200" i="0" kern="1200" dirty="0" smtClean="0">
+                <a:solidFill>
+                  <a:schemeClr val="tx1"/>
+                </a:solidFill>
+                <a:effectLst/>
+                <a:latin typeface="+mn-lt"/>
+                <a:ea typeface="+mn-ea"/>
+                <a:cs typeface="+mn-cs"/>
+              </a:rPr>
+              <a:t/>
+            </a:r>
+            <a:br>
+              <a:rPr lang="es-ES" sz="1200" i="0" kern="1200" dirty="0" smtClean="0">
+                <a:solidFill>
+                  <a:schemeClr val="tx1"/>
+                </a:solidFill>
+                <a:effectLst/>
+                <a:latin typeface="+mn-lt"/>
+                <a:ea typeface="+mn-ea"/>
+                <a:cs typeface="+mn-cs"/>
+              </a:rPr>
+            </a:br>
             <a:endParaRPr lang="es-ES" dirty="0"/>
           </a:p>
         </p:txBody>
@@ -1308,7 +1155,7 @@
           <a:p>
             <a:fld id="{FDD11C67-3A24-4233-8898-815A60F45D03}" type="slidenum">
               <a:rPr lang="es-ES" smtClean="0"/>
-              <a:t>6</a:t>
+              <a:t>5</a:t>
             </a:fld>
             <a:endParaRPr lang="es-ES"/>
           </a:p>
@@ -1317,7 +1164,7 @@
     </p:spTree>
     <p:extLst>
       <p:ext uri="{BB962C8B-B14F-4D97-AF65-F5344CB8AC3E}">
-        <p14:creationId xmlns:p14="http://schemas.microsoft.com/office/powerpoint/2010/main" val="3080735279"/>
+        <p14:creationId xmlns:p14="http://schemas.microsoft.com/office/powerpoint/2010/main" val="3873168016"/>
       </p:ext>
     </p:extLst>
   </p:cSld>
@@ -1377,77 +1224,176 @@
           <a:lstStyle/>
           <a:p>
             <a:r>
-              <a:rPr lang="es-ES" i="1" dirty="0" smtClean="0"/>
-              <a:t>Disponibilidad</a:t>
-            </a:r>
-          </a:p>
-          <a:p>
-            <a:r>
-              <a:rPr lang="es-ES" i="1" dirty="0" smtClean="0"/>
-              <a:t>	Depende</a:t>
-            </a:r>
-            <a:r>
-              <a:rPr lang="es-ES" i="1" baseline="0" dirty="0" smtClean="0"/>
-              <a:t> del servidor</a:t>
-            </a:r>
-          </a:p>
-          <a:p>
-            <a:endParaRPr lang="es-ES" i="1" dirty="0" smtClean="0"/>
-          </a:p>
-          <a:p>
-            <a:r>
-              <a:rPr lang="es-ES" i="1" dirty="0" err="1" smtClean="0"/>
-              <a:t>Modificabilidad</a:t>
-            </a:r>
-            <a:endParaRPr lang="es-ES" i="1" dirty="0" smtClean="0"/>
-          </a:p>
-          <a:p>
-            <a:r>
-              <a:rPr lang="es-ES" i="1" dirty="0" smtClean="0"/>
-              <a:t>	Podemos</a:t>
-            </a:r>
-            <a:r>
-              <a:rPr lang="es-ES" i="1" baseline="0" dirty="0" smtClean="0"/>
-              <a:t> modificar cada parte de </a:t>
-            </a:r>
-            <a:r>
-              <a:rPr lang="es-ES" i="1" baseline="0" dirty="0" err="1" smtClean="0"/>
-              <a:t>batch</a:t>
-            </a:r>
-            <a:r>
-              <a:rPr lang="es-ES" i="1" baseline="0" dirty="0" smtClean="0"/>
-              <a:t> o del MVC</a:t>
-            </a:r>
-            <a:endParaRPr lang="es-ES" i="1" dirty="0" smtClean="0"/>
-          </a:p>
-          <a:p>
-            <a:r>
-              <a:rPr lang="es-ES" i="1" dirty="0" smtClean="0"/>
-              <a:t>Escalabilidad</a:t>
-            </a:r>
-          </a:p>
-          <a:p>
-            <a:r>
-              <a:rPr lang="es-ES" i="1" dirty="0" smtClean="0"/>
-              <a:t>	El</a:t>
-            </a:r>
-            <a:r>
-              <a:rPr lang="es-ES" i="1" baseline="0" dirty="0" smtClean="0"/>
-              <a:t> numero de usuarios dependerá del hardware del servidor, el programa es capaz de soportarlos</a:t>
-            </a:r>
-            <a:endParaRPr lang="es-ES" i="1" dirty="0" smtClean="0"/>
-          </a:p>
-          <a:p>
-            <a:r>
-              <a:rPr lang="es-ES" i="1" dirty="0" smtClean="0"/>
-              <a:t>Rendimiento</a:t>
-            </a:r>
-          </a:p>
-          <a:p>
-            <a:r>
-              <a:rPr lang="es-ES" i="1" dirty="0" smtClean="0"/>
-              <a:t>	Sin tiempos de carga.</a:t>
-            </a:r>
+              <a:rPr lang="es-ES" sz="1200" i="0" kern="1200" dirty="0" smtClean="0">
+                <a:solidFill>
+                  <a:schemeClr val="tx1"/>
+                </a:solidFill>
+                <a:effectLst/>
+                <a:latin typeface="+mn-lt"/>
+                <a:ea typeface="+mn-ea"/>
+                <a:cs typeface="+mn-cs"/>
+              </a:rPr>
+              <a:t>Servidores pueden estar distribuidos en diferentes máquinas</a:t>
+            </a:r>
+          </a:p>
+          <a:p>
+            <a:endParaRPr lang="es-ES" sz="1200" i="0" kern="1200" dirty="0" smtClean="0">
+              <a:solidFill>
+                <a:schemeClr val="tx1"/>
+              </a:solidFill>
+              <a:effectLst/>
+              <a:latin typeface="+mn-lt"/>
+              <a:ea typeface="+mn-ea"/>
+              <a:cs typeface="+mn-cs"/>
+            </a:endParaRPr>
+          </a:p>
+          <a:p>
+            <a:r>
+              <a:rPr lang="es-ES" sz="1200" i="0" kern="1200" dirty="0" smtClean="0">
+                <a:solidFill>
+                  <a:schemeClr val="tx1"/>
+                </a:solidFill>
+                <a:effectLst/>
+                <a:latin typeface="+mn-lt"/>
+                <a:ea typeface="+mn-ea"/>
+                <a:cs typeface="+mn-cs"/>
+              </a:rPr>
+              <a:t>Separación de funcionalidad cliente/servidor</a:t>
+            </a:r>
+            <a:br>
+              <a:rPr lang="es-ES" sz="1200" i="0" kern="1200" dirty="0" smtClean="0">
+                <a:solidFill>
+                  <a:schemeClr val="tx1"/>
+                </a:solidFill>
+                <a:effectLst/>
+                <a:latin typeface="+mn-lt"/>
+                <a:ea typeface="+mn-ea"/>
+                <a:cs typeface="+mn-cs"/>
+              </a:rPr>
+            </a:br>
+            <a:r>
+              <a:rPr lang="es-ES" sz="1200" i="0" kern="1200" dirty="0" smtClean="0">
+                <a:solidFill>
+                  <a:schemeClr val="tx1"/>
+                </a:solidFill>
+                <a:effectLst/>
+                <a:latin typeface="+mn-lt"/>
+                <a:ea typeface="+mn-ea"/>
+                <a:cs typeface="+mn-cs"/>
+              </a:rPr>
+              <a:t>	* Escalabilidad</a:t>
+            </a:r>
+          </a:p>
+          <a:p>
+            <a:r>
+              <a:rPr lang="es-ES" sz="1200" i="0" kern="1200" dirty="0" smtClean="0">
+                <a:solidFill>
+                  <a:schemeClr val="tx1"/>
+                </a:solidFill>
+                <a:effectLst/>
+                <a:latin typeface="+mn-lt"/>
+                <a:ea typeface="+mn-ea"/>
+                <a:cs typeface="+mn-cs"/>
+              </a:rPr>
+              <a:t>		Nos</a:t>
+            </a:r>
+            <a:r>
+              <a:rPr lang="es-ES" sz="1200" i="0" kern="1200" baseline="0" dirty="0" smtClean="0">
+                <a:solidFill>
+                  <a:schemeClr val="tx1"/>
+                </a:solidFill>
+                <a:effectLst/>
+                <a:latin typeface="+mn-lt"/>
+                <a:ea typeface="+mn-ea"/>
+                <a:cs typeface="+mn-cs"/>
+              </a:rPr>
+              <a:t> permite tener tantos usuarios como sea capaz de aguantar el hardware sin modificar el software</a:t>
+            </a:r>
+          </a:p>
+          <a:p>
+            <a:endParaRPr lang="es-ES" sz="1200" i="0" kern="1200" baseline="0" dirty="0" smtClean="0">
+              <a:solidFill>
+                <a:schemeClr val="tx1"/>
+              </a:solidFill>
+              <a:effectLst/>
+              <a:latin typeface="+mn-lt"/>
+              <a:ea typeface="+mn-ea"/>
+              <a:cs typeface="+mn-cs"/>
+            </a:endParaRPr>
+          </a:p>
+          <a:p>
+            <a:r>
+              <a:rPr lang="es-ES" sz="1200" i="0" kern="1200" baseline="0" dirty="0" smtClean="0">
+                <a:solidFill>
+                  <a:schemeClr val="tx1"/>
+                </a:solidFill>
+                <a:effectLst/>
+                <a:latin typeface="+mn-lt"/>
+                <a:ea typeface="+mn-ea"/>
+                <a:cs typeface="+mn-cs"/>
+              </a:rPr>
+              <a:t>* El hardware puede fallar</a:t>
+            </a:r>
+          </a:p>
+          <a:p>
+            <a:r>
+              <a:rPr lang="es-ES" sz="1200" i="0" kern="1200" baseline="0" dirty="0" smtClean="0">
+                <a:solidFill>
+                  <a:schemeClr val="tx1"/>
+                </a:solidFill>
+                <a:effectLst/>
+                <a:latin typeface="+mn-lt"/>
+                <a:ea typeface="+mn-ea"/>
+                <a:cs typeface="+mn-cs"/>
+              </a:rPr>
+              <a:t>* no sabemos su rendimiento </a:t>
+            </a:r>
+            <a:r>
+              <a:rPr lang="es-ES" sz="1200" i="0" kern="1200" dirty="0" smtClean="0">
+                <a:solidFill>
+                  <a:schemeClr val="tx1"/>
+                </a:solidFill>
+                <a:effectLst/>
+                <a:latin typeface="+mn-lt"/>
+                <a:ea typeface="+mn-ea"/>
+                <a:cs typeface="+mn-cs"/>
+              </a:rPr>
+              <a:t/>
+            </a:r>
+            <a:br>
+              <a:rPr lang="es-ES" sz="1200" i="0" kern="1200" dirty="0" smtClean="0">
+                <a:solidFill>
+                  <a:schemeClr val="tx1"/>
+                </a:solidFill>
+                <a:effectLst/>
+                <a:latin typeface="+mn-lt"/>
+                <a:ea typeface="+mn-ea"/>
+                <a:cs typeface="+mn-cs"/>
+              </a:rPr>
+            </a:br>
+            <a:r>
+              <a:rPr lang="es-ES" sz="1200" i="0" kern="1200" dirty="0" smtClean="0">
+                <a:solidFill>
+                  <a:schemeClr val="tx1"/>
+                </a:solidFill>
+                <a:effectLst/>
+                <a:latin typeface="+mn-lt"/>
+                <a:ea typeface="+mn-ea"/>
+                <a:cs typeface="+mn-cs"/>
+              </a:rPr>
+              <a:t/>
+            </a:r>
+            <a:br>
+              <a:rPr lang="es-ES" sz="1200" i="0" kern="1200" dirty="0" smtClean="0">
+                <a:solidFill>
+                  <a:schemeClr val="tx1"/>
+                </a:solidFill>
+                <a:effectLst/>
+                <a:latin typeface="+mn-lt"/>
+                <a:ea typeface="+mn-ea"/>
+                <a:cs typeface="+mn-cs"/>
+              </a:rPr>
+            </a:br>
             <a:endParaRPr lang="es-ES" dirty="0"/>
           </a:p>
         </p:txBody>
@@ -1469,7 +1415,7 @@
           <a:p>
             <a:fld id="{FDD11C67-3A24-4233-8898-815A60F45D03}" type="slidenum">
               <a:rPr lang="es-ES" smtClean="0"/>
-              <a:t>7</a:t>
+              <a:t>6</a:t>
             </a:fld>
             <a:endParaRPr lang="es-ES"/>
           </a:p>
@@ -1478,7 +1424,7 @@
     </p:spTree>
     <p:extLst>
       <p:ext uri="{BB962C8B-B14F-4D97-AF65-F5344CB8AC3E}">
-        <p14:creationId xmlns:p14="http://schemas.microsoft.com/office/powerpoint/2010/main" val="3219866908"/>
+        <p14:creationId xmlns:p14="http://schemas.microsoft.com/office/powerpoint/2010/main" val="60742303"/>
       </p:ext>
     </p:extLst>
   </p:cSld>
@@ -1515,7 +1461,12 @@
             <p:ph type="sldImg"/>
           </p:nvPr>
         </p:nvSpPr>
-        <p:spPr/>
+        <p:spPr>
+          <a:xfrm>
+            <a:off x="1371600" y="1143000"/>
+            <a:ext cx="4114800" cy="3086100"/>
+          </a:xfrm>
+        </p:spPr>
       </p:sp>
       <p:sp>
         <p:nvSpPr>
@@ -1532,70 +1483,166 @@
           <a:bodyPr/>
           <a:lstStyle/>
           <a:p>
+            <a:endParaRPr lang="es-ES" dirty="0"/>
+          </a:p>
+        </p:txBody>
+      </p:sp>
+      <p:sp>
+        <p:nvSpPr>
+          <p:cNvPr id="4" name="Slide Number Placeholder 3"/>
+          <p:cNvSpPr>
+            <a:spLocks noGrp="1"/>
+          </p:cNvSpPr>
+          <p:nvPr>
+            <p:ph type="sldNum" sz="quarter" idx="10"/>
+          </p:nvPr>
+        </p:nvSpPr>
+        <p:spPr/>
+        <p:txBody>
+          <a:bodyPr/>
+          <a:lstStyle/>
+          <a:p>
+            <a:fld id="{FDD11C67-3A24-4233-8898-815A60F45D03}" type="slidenum">
+              <a:rPr lang="es-ES" smtClean="0"/>
+              <a:t>7</a:t>
+            </a:fld>
+            <a:endParaRPr lang="es-ES"/>
+          </a:p>
+        </p:txBody>
+      </p:sp>
+    </p:spTree>
+    <p:extLst>
+      <p:ext uri="{BB962C8B-B14F-4D97-AF65-F5344CB8AC3E}">
+        <p14:creationId xmlns:p14="http://schemas.microsoft.com/office/powerpoint/2010/main" val="3080735279"/>
+      </p:ext>
+    </p:extLst>
+  </p:cSld>
+  <p:clrMapOvr>
+    <a:masterClrMapping/>
+  </p:clrMapOvr>
+</p:notes>
+</file>
+
+<file path=ppt/notesSlides/notesSlide8.xml><?xml version="1.0" encoding="utf-8"?>
+<p:notes xmlns:a="http://schemas.openxmlformats.org/drawingml/2006/main" xmlns:r="http://schemas.openxmlformats.org/officeDocument/2006/relationships" xmlns:p="http://schemas.openxmlformats.org/presentationml/2006/main">
+  <p:cSld>
+    <p:spTree>
+      <p:nvGrpSpPr>
+        <p:cNvPr id="1" name=""/>
+        <p:cNvGrpSpPr/>
+        <p:nvPr/>
+      </p:nvGrpSpPr>
+      <p:grpSpPr>
+        <a:xfrm>
+          <a:off x="0" y="0"/>
+          <a:ext cx="0" cy="0"/>
+          <a:chOff x="0" y="0"/>
+          <a:chExt cx="0" cy="0"/>
+        </a:xfrm>
+      </p:grpSpPr>
+      <p:sp>
+        <p:nvSpPr>
+          <p:cNvPr id="2" name="Slide Image Placeholder 1"/>
+          <p:cNvSpPr>
+            <a:spLocks noGrp="1" noRot="1" noChangeAspect="1"/>
+          </p:cNvSpPr>
+          <p:nvPr>
+            <p:ph type="sldImg"/>
+          </p:nvPr>
+        </p:nvSpPr>
+        <p:spPr>
+          <a:xfrm>
+            <a:off x="1371600" y="1143000"/>
+            <a:ext cx="4114800" cy="3086100"/>
+          </a:xfrm>
+        </p:spPr>
+      </p:sp>
+      <p:sp>
+        <p:nvSpPr>
+          <p:cNvPr id="3" name="Notes Placeholder 2"/>
+          <p:cNvSpPr>
+            <a:spLocks noGrp="1"/>
+          </p:cNvSpPr>
+          <p:nvPr>
+            <p:ph type="body" idx="1"/>
+          </p:nvPr>
+        </p:nvSpPr>
+        <p:spPr/>
+        <p:txBody>
+          <a:bodyPr/>
+          <a:lstStyle/>
+          <a:p>
             <a:r>
               <a:rPr lang="es-ES" i="1" dirty="0" smtClean="0"/>
-              <a:t>Seguridad</a:t>
+              <a:t>Disponibilidad</a:t>
             </a:r>
           </a:p>
           <a:p>
             <a:r>
               <a:rPr lang="es-ES" i="1" dirty="0" smtClean="0"/>
-              <a:t>	*</a:t>
+              <a:t>	Depende</a:t>
             </a:r>
             <a:r>
               <a:rPr lang="es-ES" i="1" baseline="0" dirty="0" smtClean="0"/>
-              <a:t> Hay contraseñas de usuario</a:t>
-            </a:r>
+              <a:t> del servidor</a:t>
+            </a:r>
+          </a:p>
+          <a:p>
             <a:endParaRPr lang="es-ES" i="1" dirty="0" smtClean="0"/>
           </a:p>
           <a:p>
             <a:r>
               <a:rPr lang="es-ES" i="1" dirty="0" err="1" smtClean="0"/>
-              <a:t>Testeabilidad</a:t>
+              <a:t>Modificabilidad</a:t>
             </a:r>
             <a:endParaRPr lang="es-ES" i="1" dirty="0" smtClean="0"/>
           </a:p>
           <a:p>
             <a:r>
               <a:rPr lang="es-ES" i="1" dirty="0" smtClean="0"/>
-              <a:t>	* Debido a las características del </a:t>
-            </a:r>
-            <a:r>
-              <a:rPr lang="es-ES" i="1" dirty="0" err="1" smtClean="0"/>
+              <a:t>	Podemos</a:t>
+            </a:r>
+            <a:r>
+              <a:rPr lang="es-ES" i="1" baseline="0" dirty="0" smtClean="0"/>
+              <a:t> modificar cada parte de </a:t>
+            </a:r>
+            <a:r>
+              <a:rPr lang="es-ES" i="1" baseline="0" dirty="0" err="1" smtClean="0"/>
               <a:t>batch</a:t>
             </a:r>
             <a:r>
+              <a:rPr lang="es-ES" i="1" baseline="0" dirty="0" smtClean="0"/>
+              <a:t> o del MVC</a:t>
+            </a:r>
+            <a:endParaRPr lang="es-ES" i="1" dirty="0" smtClean="0"/>
+          </a:p>
+          <a:p>
+            <a:r>
               <a:rPr lang="es-ES" i="1" dirty="0" smtClean="0"/>
-              <a:t> y a la separación de tareas del</a:t>
+              <a:t>Escalabilidad</a:t>
+            </a:r>
+          </a:p>
+          <a:p>
+            <a:r>
+              <a:rPr lang="es-ES" i="1" dirty="0" smtClean="0"/>
+              <a:t>	El</a:t>
             </a:r>
             <a:r>
               <a:rPr lang="es-ES" i="1" baseline="0" dirty="0" smtClean="0"/>
-              <a:t> MVC los errores se encapsula y comprueban mejor</a:t>
+              <a:t> numero de usuarios dependerá del hardware del servidor, el programa es capaz de soportarlos</a:t>
             </a:r>
             <a:endParaRPr lang="es-ES" i="1" dirty="0" smtClean="0"/>
           </a:p>
           <a:p>
             <a:r>
               <a:rPr lang="es-ES" i="1" dirty="0" smtClean="0"/>
-              <a:t>Usabilidad</a:t>
-            </a:r>
-          </a:p>
-          <a:p>
-            <a:r>
-              <a:rPr lang="es-ES" dirty="0" smtClean="0"/>
-              <a:t>	* Interface</a:t>
-            </a:r>
-            <a:r>
-              <a:rPr lang="es-ES" baseline="0" dirty="0" smtClean="0"/>
-              <a:t> sencilla, aunque no demasiado bonita (hemos trabajado más en que sea robusta y escalable </a:t>
-            </a:r>
-            <a:r>
-              <a:rPr lang="es-ES" baseline="0" dirty="0" err="1" smtClean="0"/>
-              <a:t>dinamiacamente</a:t>
-            </a:r>
-            <a:r>
-              <a:rPr lang="es-ES" baseline="0" dirty="0" smtClean="0"/>
-              <a:t>)</a:t>
+              <a:t>Rendimiento</a:t>
+            </a:r>
+          </a:p>
+          <a:p>
+            <a:r>
+              <a:rPr lang="es-ES" i="1" dirty="0" smtClean="0"/>
+              <a:t>	Sin tiempos de carga.</a:t>
             </a:r>
             <a:endParaRPr lang="es-ES" dirty="0"/>
           </a:p>
@@ -1619,6 +1666,155 @@
             <a:fld id="{FDD11C67-3A24-4233-8898-815A60F45D03}" type="slidenum">
               <a:rPr lang="es-ES" smtClean="0"/>
               <a:t>8</a:t>
+            </a:fld>
+            <a:endParaRPr lang="es-ES"/>
+          </a:p>
+        </p:txBody>
+      </p:sp>
+    </p:spTree>
+    <p:extLst>
+      <p:ext uri="{BB962C8B-B14F-4D97-AF65-F5344CB8AC3E}">
+        <p14:creationId xmlns:p14="http://schemas.microsoft.com/office/powerpoint/2010/main" val="3219866908"/>
+      </p:ext>
+    </p:extLst>
+  </p:cSld>
+  <p:clrMapOvr>
+    <a:masterClrMapping/>
+  </p:clrMapOvr>
+</p:notes>
+</file>
+
+<file path=ppt/notesSlides/notesSlide9.xml><?xml version="1.0" encoding="utf-8"?>
+<p:notes xmlns:a="http://schemas.openxmlformats.org/drawingml/2006/main" xmlns:r="http://schemas.openxmlformats.org/officeDocument/2006/relationships" xmlns:p="http://schemas.openxmlformats.org/presentationml/2006/main">
+  <p:cSld>
+    <p:spTree>
+      <p:nvGrpSpPr>
+        <p:cNvPr id="1" name=""/>
+        <p:cNvGrpSpPr/>
+        <p:nvPr/>
+      </p:nvGrpSpPr>
+      <p:grpSpPr>
+        <a:xfrm>
+          <a:off x="0" y="0"/>
+          <a:ext cx="0" cy="0"/>
+          <a:chOff x="0" y="0"/>
+          <a:chExt cx="0" cy="0"/>
+        </a:xfrm>
+      </p:grpSpPr>
+      <p:sp>
+        <p:nvSpPr>
+          <p:cNvPr id="2" name="Slide Image Placeholder 1"/>
+          <p:cNvSpPr>
+            <a:spLocks noGrp="1" noRot="1" noChangeAspect="1"/>
+          </p:cNvSpPr>
+          <p:nvPr>
+            <p:ph type="sldImg"/>
+          </p:nvPr>
+        </p:nvSpPr>
+        <p:spPr/>
+      </p:sp>
+      <p:sp>
+        <p:nvSpPr>
+          <p:cNvPr id="3" name="Notes Placeholder 2"/>
+          <p:cNvSpPr>
+            <a:spLocks noGrp="1"/>
+          </p:cNvSpPr>
+          <p:nvPr>
+            <p:ph type="body" idx="1"/>
+          </p:nvPr>
+        </p:nvSpPr>
+        <p:spPr/>
+        <p:txBody>
+          <a:bodyPr/>
+          <a:lstStyle/>
+          <a:p>
+            <a:r>
+              <a:rPr lang="es-ES" i="1" dirty="0" smtClean="0"/>
+              <a:t>Seguridad</a:t>
+            </a:r>
+          </a:p>
+          <a:p>
+            <a:r>
+              <a:rPr lang="es-ES" i="1" dirty="0" smtClean="0"/>
+              <a:t>	*</a:t>
+            </a:r>
+            <a:r>
+              <a:rPr lang="es-ES" i="1" baseline="0" dirty="0" smtClean="0"/>
+              <a:t> Hay contraseñas de usuario</a:t>
+            </a:r>
+            <a:endParaRPr lang="es-ES" i="1" dirty="0" smtClean="0"/>
+          </a:p>
+          <a:p>
+            <a:r>
+              <a:rPr lang="es-ES" i="1" dirty="0" err="1" smtClean="0"/>
+              <a:t>Testeabilidad</a:t>
+            </a:r>
+            <a:endParaRPr lang="es-ES" i="1" dirty="0" smtClean="0"/>
+          </a:p>
+          <a:p>
+            <a:r>
+              <a:rPr lang="es-ES" i="1" dirty="0" smtClean="0"/>
+              <a:t>	* Debido a las características del </a:t>
+            </a:r>
+            <a:r>
+              <a:rPr lang="es-ES" i="1" dirty="0" err="1" smtClean="0"/>
+              <a:t>batch</a:t>
+            </a:r>
+            <a:r>
+              <a:rPr lang="es-ES" i="1" dirty="0" smtClean="0"/>
+              <a:t> y a la separación de tareas del</a:t>
+            </a:r>
+            <a:r>
+              <a:rPr lang="es-ES" i="1" baseline="0" dirty="0" smtClean="0"/>
+              <a:t> MVC los errores se encapsula y comprueban mejor</a:t>
+            </a:r>
+            <a:endParaRPr lang="es-ES" i="1" dirty="0" smtClean="0"/>
+          </a:p>
+          <a:p>
+            <a:r>
+              <a:rPr lang="es-ES" i="1" dirty="0" smtClean="0"/>
+              <a:t>Usabilidad</a:t>
+            </a:r>
+          </a:p>
+          <a:p>
+            <a:r>
+              <a:rPr lang="es-ES" dirty="0" smtClean="0"/>
+              <a:t>	* Interface</a:t>
+            </a:r>
+            <a:r>
+              <a:rPr lang="es-ES" baseline="0" dirty="0" smtClean="0"/>
+              <a:t> sencilla, aunque no demasiado bonita (hemos trabajado más en que sea robusta y escalable </a:t>
+            </a:r>
+            <a:r>
+              <a:rPr lang="es-ES" baseline="0" dirty="0" err="1" smtClean="0"/>
+              <a:t>dinamiacamente</a:t>
+            </a:r>
+            <a:r>
+              <a:rPr lang="es-ES" baseline="0" dirty="0" smtClean="0"/>
+              <a:t>)</a:t>
+            </a:r>
+            <a:endParaRPr lang="es-ES" dirty="0"/>
+          </a:p>
+        </p:txBody>
+      </p:sp>
+      <p:sp>
+        <p:nvSpPr>
+          <p:cNvPr id="4" name="Slide Number Placeholder 3"/>
+          <p:cNvSpPr>
+            <a:spLocks noGrp="1"/>
+          </p:cNvSpPr>
+          <p:nvPr>
+            <p:ph type="sldNum" sz="quarter" idx="10"/>
+          </p:nvPr>
+        </p:nvSpPr>
+        <p:spPr/>
+        <p:txBody>
+          <a:bodyPr/>
+          <a:lstStyle/>
+          <a:p>
+            <a:fld id="{FDD11C67-3A24-4233-8898-815A60F45D03}" type="slidenum">
+              <a:rPr lang="es-ES" smtClean="0"/>
+              <a:t>9</a:t>
             </a:fld>
             <a:endParaRPr lang="es-ES"/>
           </a:p>
@@ -4650,6 +4846,203 @@
           </a:p>
         </p:txBody>
       </p:sp>
+      <p:sp>
+        <p:nvSpPr>
+          <p:cNvPr id="6" name="Content Placeholder 2"/>
+          <p:cNvSpPr txBox="1">
+            <a:spLocks/>
+          </p:cNvSpPr>
+          <p:nvPr/>
+        </p:nvSpPr>
+        <p:spPr>
+          <a:xfrm>
+            <a:off x="1016001" y="1690689"/>
+            <a:ext cx="3947886" cy="786947"/>
+          </a:xfrm>
+          <a:prstGeom prst="rect">
+            <a:avLst/>
+          </a:prstGeom>
+        </p:spPr>
+        <p:txBody>
+          <a:bodyPr vert="horz" lIns="91440" tIns="45720" rIns="91440" bIns="45720" rtlCol="0">
+            <a:normAutofit/>
+          </a:bodyPr>
+          <a:lstStyle>
+            <a:lvl1pPr marL="228600" indent="-228600" algn="l" defTabSz="914400" rtl="0" eaLnBrk="1" latinLnBrk="0" hangingPunct="1">
+              <a:lnSpc>
+                <a:spcPct val="90000"/>
+              </a:lnSpc>
+              <a:spcBef>
+                <a:spcPts val="1000"/>
+              </a:spcBef>
+              <a:buFont typeface="Arial" panose="020B0604020202020204" pitchFamily="34" charset="0"/>
+              <a:buChar char="•"/>
+              <a:defRPr sz="2800" kern="1200">
+                <a:solidFill>
+                  <a:schemeClr val="tx1"/>
+                </a:solidFill>
+                <a:latin typeface="+mn-lt"/>
+                <a:ea typeface="+mn-ea"/>
+                <a:cs typeface="+mn-cs"/>
+              </a:defRPr>
+            </a:lvl1pPr>
+            <a:lvl2pPr marL="685800" indent="-228600" algn="l" defTabSz="914400" rtl="0" eaLnBrk="1" latinLnBrk="0" hangingPunct="1">
+              <a:lnSpc>
+                <a:spcPct val="90000"/>
+              </a:lnSpc>
+              <a:spcBef>
+                <a:spcPts val="500"/>
+              </a:spcBef>
+              <a:buFont typeface="Arial" panose="020B0604020202020204" pitchFamily="34" charset="0"/>
+              <a:buChar char="•"/>
+              <a:defRPr sz="2400" kern="1200">
+                <a:solidFill>
+                  <a:schemeClr val="tx1"/>
+                </a:solidFill>
+                <a:latin typeface="+mn-lt"/>
+                <a:ea typeface="+mn-ea"/>
+                <a:cs typeface="+mn-cs"/>
+              </a:defRPr>
+            </a:lvl2pPr>
+            <a:lvl3pPr marL="1143000" indent="-228600" algn="l" defTabSz="914400" rtl="0" eaLnBrk="1" latinLnBrk="0" hangingPunct="1">
+              <a:lnSpc>
+                <a:spcPct val="90000"/>
+              </a:lnSpc>
+              <a:spcBef>
+                <a:spcPts val="500"/>
+              </a:spcBef>
+              <a:buFont typeface="Arial" panose="020B0604020202020204" pitchFamily="34" charset="0"/>
+              <a:buChar char="•"/>
+              <a:defRPr sz="2000" kern="1200">
+                <a:solidFill>
+                  <a:schemeClr val="tx1"/>
+                </a:solidFill>
+                <a:latin typeface="+mn-lt"/>
+                <a:ea typeface="+mn-ea"/>
+                <a:cs typeface="+mn-cs"/>
+              </a:defRPr>
+            </a:lvl3pPr>
+            <a:lvl4pPr marL="1600200" indent="-228600" algn="l" defTabSz="914400" rtl="0" eaLnBrk="1" latinLnBrk="0" hangingPunct="1">
+              <a:lnSpc>
+                <a:spcPct val="90000"/>
+              </a:lnSpc>
+              <a:spcBef>
+                <a:spcPts val="500"/>
+              </a:spcBef>
+              <a:buFont typeface="Arial" panose="020B0604020202020204" pitchFamily="34" charset="0"/>
+              <a:buChar char="•"/>
+              <a:defRPr sz="1800" kern="1200">
+                <a:solidFill>
+                  <a:schemeClr val="tx1"/>
+                </a:solidFill>
+                <a:latin typeface="+mn-lt"/>
+                <a:ea typeface="+mn-ea"/>
+                <a:cs typeface="+mn-cs"/>
+              </a:defRPr>
+            </a:lvl4pPr>
+            <a:lvl5pPr marL="2057400" indent="-228600" algn="l" defTabSz="914400" rtl="0" eaLnBrk="1" latinLnBrk="0" hangingPunct="1">
+              <a:lnSpc>
+                <a:spcPct val="90000"/>
+              </a:lnSpc>
+              <a:spcBef>
+                <a:spcPts val="500"/>
+              </a:spcBef>
+              <a:buFont typeface="Arial" panose="020B0604020202020204" pitchFamily="34" charset="0"/>
+              <a:buChar char="•"/>
+              <a:defRPr sz="1800" kern="1200">
+                <a:solidFill>
+                  <a:schemeClr val="tx1"/>
+                </a:solidFill>
+                <a:latin typeface="+mn-lt"/>
+                <a:ea typeface="+mn-ea"/>
+                <a:cs typeface="+mn-cs"/>
+              </a:defRPr>
+            </a:lvl5pPr>
+            <a:lvl6pPr marL="2514600" indent="-228600" algn="l" defTabSz="914400" rtl="0" eaLnBrk="1" latinLnBrk="0" hangingPunct="1">
+              <a:lnSpc>
+                <a:spcPct val="90000"/>
+              </a:lnSpc>
+              <a:spcBef>
+                <a:spcPts val="500"/>
+              </a:spcBef>
+              <a:buFont typeface="Arial" panose="020B0604020202020204" pitchFamily="34" charset="0"/>
+              <a:buChar char="•"/>
+              <a:defRPr sz="1800" kern="1200">
+                <a:solidFill>
+                  <a:schemeClr val="tx1"/>
+                </a:solidFill>
+                <a:latin typeface="+mn-lt"/>
+                <a:ea typeface="+mn-ea"/>
+                <a:cs typeface="+mn-cs"/>
+              </a:defRPr>
+            </a:lvl6pPr>
+            <a:lvl7pPr marL="2971800" indent="-228600" algn="l" defTabSz="914400" rtl="0" eaLnBrk="1" latinLnBrk="0" hangingPunct="1">
+              <a:lnSpc>
+                <a:spcPct val="90000"/>
+              </a:lnSpc>
+              <a:spcBef>
+                <a:spcPts val="500"/>
+              </a:spcBef>
+              <a:buFont typeface="Arial" panose="020B0604020202020204" pitchFamily="34" charset="0"/>
+              <a:buChar char="•"/>
+              <a:defRPr sz="1800" kern="1200">
+                <a:solidFill>
+                  <a:schemeClr val="tx1"/>
+                </a:solidFill>
+                <a:latin typeface="+mn-lt"/>
+                <a:ea typeface="+mn-ea"/>
+                <a:cs typeface="+mn-cs"/>
+              </a:defRPr>
+            </a:lvl7pPr>
+            <a:lvl8pPr marL="3429000" indent="-228600" algn="l" defTabSz="914400" rtl="0" eaLnBrk="1" latinLnBrk="0" hangingPunct="1">
+              <a:lnSpc>
+                <a:spcPct val="90000"/>
+              </a:lnSpc>
+              <a:spcBef>
+                <a:spcPts val="500"/>
+              </a:spcBef>
+              <a:buFont typeface="Arial" panose="020B0604020202020204" pitchFamily="34" charset="0"/>
+              <a:buChar char="•"/>
+              <a:defRPr sz="1800" kern="1200">
+                <a:solidFill>
+                  <a:schemeClr val="tx1"/>
+                </a:solidFill>
+                <a:latin typeface="+mn-lt"/>
+                <a:ea typeface="+mn-ea"/>
+                <a:cs typeface="+mn-cs"/>
+              </a:defRPr>
+            </a:lvl8pPr>
+            <a:lvl9pPr marL="3886200" indent="-228600" algn="l" defTabSz="914400" rtl="0" eaLnBrk="1" latinLnBrk="0" hangingPunct="1">
+              <a:lnSpc>
+                <a:spcPct val="90000"/>
+              </a:lnSpc>
+              <a:spcBef>
+                <a:spcPts val="500"/>
+              </a:spcBef>
+              <a:buFont typeface="Arial" panose="020B0604020202020204" pitchFamily="34" charset="0"/>
+              <a:buChar char="•"/>
+              <a:defRPr sz="1800" kern="1200">
+                <a:solidFill>
+                  <a:schemeClr val="tx1"/>
+                </a:solidFill>
+                <a:latin typeface="+mn-lt"/>
+                <a:ea typeface="+mn-ea"/>
+                <a:cs typeface="+mn-cs"/>
+              </a:defRPr>
+            </a:lvl9pPr>
+          </a:lstStyle>
+          <a:p>
+            <a:pPr marL="0" indent="0">
+              <a:buNone/>
+            </a:pPr>
+            <a:r>
+              <a:rPr lang="es-ES" dirty="0" smtClean="0"/>
+              <a:t>Trivial4a</a:t>
+            </a:r>
+            <a:endParaRPr lang="es-ES" dirty="0"/>
+          </a:p>
+        </p:txBody>
+      </p:sp>
     </p:spTree>
     <p:extLst>
       <p:ext uri="{BB962C8B-B14F-4D97-AF65-F5344CB8AC3E}">
@@ -4671,6 +5064,146 @@
 </file>
 
 <file path=ppt/slides/slide2.xml><?xml version="1.0" encoding="utf-8"?>
+<p:sld xmlns:a="http://schemas.openxmlformats.org/drawingml/2006/main" xmlns:r="http://schemas.openxmlformats.org/officeDocument/2006/relationships" xmlns:p="http://schemas.openxmlformats.org/presentationml/2006/main">
+  <p:cSld>
+    <p:spTree>
+      <p:nvGrpSpPr>
+        <p:cNvPr id="1" name=""/>
+        <p:cNvGrpSpPr/>
+        <p:nvPr/>
+      </p:nvGrpSpPr>
+      <p:grpSpPr>
+        <a:xfrm>
+          <a:off x="0" y="0"/>
+          <a:ext cx="0" cy="0"/>
+          <a:chOff x="0" y="0"/>
+          <a:chExt cx="0" cy="0"/>
+        </a:xfrm>
+      </p:grpSpPr>
+      <p:sp>
+        <p:nvSpPr>
+          <p:cNvPr id="2" name="Title 1"/>
+          <p:cNvSpPr>
+            <a:spLocks noGrp="1"/>
+          </p:cNvSpPr>
+          <p:nvPr>
+            <p:ph type="title"/>
+          </p:nvPr>
+        </p:nvSpPr>
+        <p:spPr/>
+        <p:txBody>
+          <a:bodyPr/>
+          <a:lstStyle/>
+          <a:p>
+            <a:endParaRPr lang="es-ES" dirty="0"/>
+          </a:p>
+        </p:txBody>
+      </p:sp>
+      <p:sp>
+        <p:nvSpPr>
+          <p:cNvPr id="4" name="Content Placeholder 3"/>
+          <p:cNvSpPr>
+            <a:spLocks noGrp="1"/>
+          </p:cNvSpPr>
+          <p:nvPr>
+            <p:ph sz="half" idx="2"/>
+          </p:nvPr>
+        </p:nvSpPr>
+        <p:spPr>
+          <a:xfrm>
+            <a:off x="628650" y="1799771"/>
+            <a:ext cx="7886700" cy="4377192"/>
+          </a:xfrm>
+        </p:spPr>
+        <p:txBody>
+          <a:bodyPr/>
+          <a:lstStyle/>
+          <a:p>
+            <a:r>
+              <a:rPr lang="es-ES" dirty="0" smtClean="0"/>
+              <a:t>Una sistema que permite</a:t>
+            </a:r>
+          </a:p>
+          <a:p>
+            <a:pPr lvl="1"/>
+            <a:r>
+              <a:rPr lang="es-ES" dirty="0" smtClean="0"/>
+              <a:t> jugar al </a:t>
+            </a:r>
+            <a:r>
+              <a:rPr lang="es-ES" dirty="0" err="1" smtClean="0"/>
+              <a:t>trivia</a:t>
+            </a:r>
+            <a:endParaRPr lang="es-ES" dirty="0" smtClean="0"/>
+          </a:p>
+          <a:p>
+            <a:pPr lvl="1"/>
+            <a:r>
+              <a:rPr lang="es-ES" dirty="0" smtClean="0"/>
+              <a:t>Recopilar información de usuarios</a:t>
+            </a:r>
+            <a:endParaRPr lang="es-ES" dirty="0"/>
+          </a:p>
+        </p:txBody>
+      </p:sp>
+      <p:pic>
+        <p:nvPicPr>
+          <p:cNvPr id="5" name="Content Placeholder 4" descr="C:\Users\Jorge\Documents\GitHub\Trivial4a\DOCUMENTACION\Documentación_entrega_final\Diagrama de contexto.PNG"/>
+          <p:cNvPicPr>
+            <a:picLocks noGrp="1"/>
+          </p:cNvPicPr>
+          <p:nvPr>
+            <p:ph sz="half" idx="1"/>
+          </p:nvPr>
+        </p:nvPicPr>
+        <p:blipFill>
+          <a:blip r:embed="rId3">
+            <a:extLst>
+              <a:ext uri="{28A0092B-C50C-407E-A947-70E740481C1C}">
+                <a14:useLocalDpi xmlns:a14="http://schemas.microsoft.com/office/drawing/2010/main" val="0"/>
+              </a:ext>
+            </a:extLst>
+          </a:blip>
+          <a:srcRect/>
+          <a:stretch>
+            <a:fillRect/>
+          </a:stretch>
+        </p:blipFill>
+        <p:spPr bwMode="auto">
+          <a:xfrm>
+            <a:off x="2094594" y="3370173"/>
+            <a:ext cx="4581978" cy="2915872"/>
+          </a:xfrm>
+          <a:prstGeom prst="rect">
+            <a:avLst/>
+          </a:prstGeom>
+          <a:noFill/>
+          <a:ln>
+            <a:noFill/>
+          </a:ln>
+        </p:spPr>
+      </p:pic>
+    </p:spTree>
+    <p:extLst>
+      <p:ext uri="{BB962C8B-B14F-4D97-AF65-F5344CB8AC3E}">
+        <p14:creationId xmlns:p14="http://schemas.microsoft.com/office/powerpoint/2010/main" val="1941112007"/>
+      </p:ext>
+    </p:extLst>
+  </p:cSld>
+  <p:clrMapOvr>
+    <a:masterClrMapping/>
+  </p:clrMapOvr>
+  <p:timing>
+    <p:tnLst>
+      <p:par>
+        <p:cTn id="1" dur="indefinite" restart="never" nodeType="tmRoot"/>
+      </p:par>
+    </p:tnLst>
+  </p:timing>
+</p:sld>
+</file>
+
+<file path=ppt/slides/slide3.xml><?xml version="1.0" encoding="utf-8"?>
 <p:sld xmlns:a="http://schemas.openxmlformats.org/drawingml/2006/main" xmlns:r="http://schemas.openxmlformats.org/officeDocument/2006/relationships" xmlns:p="http://schemas.openxmlformats.org/presentationml/2006/main">
   <p:cSld>
     <p:spTree>
@@ -4839,7 +5372,7 @@
 </p:sld>
 </file>
 
-<file path=ppt/slides/slide3.xml><?xml version="1.0" encoding="utf-8"?>
+<file path=ppt/slides/slide4.xml><?xml version="1.0" encoding="utf-8"?>
 <p:sld xmlns:a="http://schemas.openxmlformats.org/drawingml/2006/main" xmlns:r="http://schemas.openxmlformats.org/officeDocument/2006/relationships" xmlns:p="http://schemas.openxmlformats.org/presentationml/2006/main">
   <p:cSld>
     <p:spTree>
@@ -4985,7 +5518,7 @@
 </p:sld>
 </file>
 
-<file path=ppt/slides/slide4.xml><?xml version="1.0" encoding="utf-8"?>
+<file path=ppt/slides/slide5.xml><?xml version="1.0" encoding="utf-8"?>
 <p:sld xmlns:a="http://schemas.openxmlformats.org/drawingml/2006/main" xmlns:r="http://schemas.openxmlformats.org/officeDocument/2006/relationships" xmlns:p="http://schemas.openxmlformats.org/presentationml/2006/main">
   <p:cSld>
     <p:spTree>
@@ -5083,7 +5616,6 @@
               <a:rPr lang="es-ES" dirty="0" smtClean="0"/>
               <a:t>interface gráfica, lógica de negocio y modelo de dominio en el juego.</a:t>
             </a:r>
-            <a:endParaRPr lang="es-ES" dirty="0" smtClean="0"/>
           </a:p>
         </p:txBody>
       </p:sp>
@@ -5136,7 +5668,7 @@
 </p:sld>
 </file>
 
-<file path=ppt/slides/slide5.xml><?xml version="1.0" encoding="utf-8"?>
+<file path=ppt/slides/slide6.xml><?xml version="1.0" encoding="utf-8"?>
 <p:sld xmlns:a="http://schemas.openxmlformats.org/drawingml/2006/main" xmlns:r="http://schemas.openxmlformats.org/officeDocument/2006/relationships" xmlns:p="http://schemas.openxmlformats.org/presentationml/2006/main">
   <p:cSld>
     <p:spTree>
@@ -5232,7 +5764,6 @@
               <a:rPr lang="es-ES" dirty="0" smtClean="0"/>
               <a:t>Juego online.</a:t>
             </a:r>
-            <a:endParaRPr lang="es-ES" dirty="0" smtClean="0"/>
           </a:p>
           <a:p>
             <a:endParaRPr lang="es-ES" dirty="0" smtClean="0"/>
@@ -5291,7 +5822,7 @@
 </p:sld>
 </file>
 
-<file path=ppt/slides/slide6.xml><?xml version="1.0" encoding="utf-8"?>
+<file path=ppt/slides/slide7.xml><?xml version="1.0" encoding="utf-8"?>
 <p:sld xmlns:a="http://schemas.openxmlformats.org/drawingml/2006/main" xmlns:r="http://schemas.openxmlformats.org/officeDocument/2006/relationships" xmlns:p="http://schemas.openxmlformats.org/presentationml/2006/main">
   <p:cSld>
     <p:spTree>
@@ -5371,16 +5902,9 @@
             <a:pPr lvl="1"/>
             <a:r>
               <a:rPr lang="es-ES" dirty="0" smtClean="0"/>
-              <a:t>Potente </a:t>
-            </a:r>
-            <a:r>
-              <a:rPr lang="es-ES" dirty="0" err="1" smtClean="0"/>
-              <a:t>framework</a:t>
-            </a:r>
-            <a:r>
-              <a:rPr lang="es-ES" dirty="0" smtClean="0"/>
-              <a:t> MVC</a:t>
-            </a:r>
+              <a:t>Framework MVC sencillo</a:t>
+            </a:r>
+            <a:endParaRPr lang="es-ES" dirty="0" smtClean="0"/>
           </a:p>
           <a:p>
             <a:r>
@@ -5617,7 +6141,7 @@
 </p:sld>
 </file>
 
-<file path=ppt/slides/slide7.xml><?xml version="1.0" encoding="utf-8"?>
+<file path=ppt/slides/slide8.xml><?xml version="1.0" encoding="utf-8"?>
 <p:sld xmlns:a="http://schemas.openxmlformats.org/drawingml/2006/main" xmlns:r="http://schemas.openxmlformats.org/officeDocument/2006/relationships" xmlns:p="http://schemas.openxmlformats.org/presentationml/2006/main">
   <p:cSld>
     <p:spTree>
@@ -5695,7 +6219,6 @@
               <a:rPr lang="es-ES" i="1" dirty="0" smtClean="0"/>
               <a:t>Rendimiento</a:t>
             </a:r>
-            <a:endParaRPr lang="es-ES" i="1" dirty="0" smtClean="0"/>
           </a:p>
           <a:p>
             <a:endParaRPr lang="es-ES" b="1" i="1" dirty="0"/>
@@ -5791,7 +6314,7 @@
 </p:sld>
 </file>
 
-<file path=ppt/slides/slide8.xml><?xml version="1.0" encoding="utf-8"?>
+<file path=ppt/slides/slide9.xml><?xml version="1.0" encoding="utf-8"?>
 <p:sld xmlns:a="http://schemas.openxmlformats.org/drawingml/2006/main" xmlns:r="http://schemas.openxmlformats.org/officeDocument/2006/relationships" xmlns:p="http://schemas.openxmlformats.org/presentationml/2006/main">
   <p:cSld>
     <p:spTree>

--- a/DOCUMENTACION/Documentación_entrega_final/Arquitectura del Software.pptx
+++ b/DOCUMENTACION/Documentación_entrega_final/Arquitectura del Software.pptx
@@ -5904,7 +5904,6 @@
               <a:rPr lang="es-ES" dirty="0" smtClean="0"/>
               <a:t>Framework MVC sencillo</a:t>
             </a:r>
-            <a:endParaRPr lang="es-ES" dirty="0" smtClean="0"/>
           </a:p>
           <a:p>
             <a:r>
@@ -6221,6 +6220,25 @@
             </a:r>
           </a:p>
           <a:p>
+            <a:r>
+              <a:rPr lang="es-ES" i="1" dirty="0"/>
+              <a:t>Seguridad</a:t>
+            </a:r>
+          </a:p>
+          <a:p>
+            <a:r>
+              <a:rPr lang="es-ES" i="1" dirty="0" err="1"/>
+              <a:t>Testeabilidad</a:t>
+            </a:r>
+            <a:endParaRPr lang="es-ES" i="1" dirty="0"/>
+          </a:p>
+          <a:p>
+            <a:r>
+              <a:rPr lang="es-ES" i="1"/>
+              <a:t>Usabilidad</a:t>
+            </a:r>
+          </a:p>
+          <a:p>
             <a:endParaRPr lang="es-ES" b="1" i="1" dirty="0"/>
           </a:p>
           <a:p>
@@ -6364,25 +6382,6 @@
         <p:txBody>
           <a:bodyPr/>
           <a:lstStyle/>
-          <a:p>
-            <a:r>
-              <a:rPr lang="es-ES" i="1" dirty="0" smtClean="0"/>
-              <a:t>Seguridad</a:t>
-            </a:r>
-          </a:p>
-          <a:p>
-            <a:r>
-              <a:rPr lang="es-ES" i="1" dirty="0" err="1" smtClean="0"/>
-              <a:t>Testeabilidad</a:t>
-            </a:r>
-            <a:endParaRPr lang="es-ES" i="1" dirty="0" smtClean="0"/>
-          </a:p>
-          <a:p>
-            <a:r>
-              <a:rPr lang="es-ES" i="1" dirty="0" smtClean="0"/>
-              <a:t>Usabilidad</a:t>
-            </a:r>
-          </a:p>
           <a:p>
             <a:endParaRPr lang="es-ES" dirty="0"/>
           </a:p>
